--- a/docs/FuncBot.pptx
+++ b/docs/FuncBot.pptx
@@ -9,8 +9,8 @@
   </p:notesMasterIdLst>
   <p:sldIdLst>
     <p:sldId id="257" r:id="rId5"/>
-    <p:sldId id="306" r:id="rId6"/>
-    <p:sldId id="298" r:id="rId7"/>
+    <p:sldId id="298" r:id="rId6"/>
+    <p:sldId id="310" r:id="rId7"/>
     <p:sldId id="307" r:id="rId8"/>
     <p:sldId id="305" r:id="rId9"/>
     <p:sldId id="308" r:id="rId10"/>
@@ -203,7 +203,7 @@
           <a:p>
             <a:fld id="{EA9587C6-745D-7242-92A9-629689C95533}" type="datetimeFigureOut">
               <a:rPr lang="en-US" smtClean="0"/>
-              <a:t>4/10/2019</a:t>
+              <a:t>4/19/2019</a:t>
             </a:fld>
             <a:endParaRPr lang="en-US"/>
           </a:p>
@@ -598,6 +598,79 @@
           <a:bodyPr/>
           <a:lstStyle/>
           <a:p>
+            <a:r>
+              <a:rPr lang="en-US" dirty="0">
+                <a:cs typeface="Calibri"/>
+              </a:rPr>
+              <a:t>Communication</a:t>
+            </a:r>
+          </a:p>
+          <a:p>
+            <a:r>
+              <a:rPr lang="en-US" dirty="0">
+                <a:cs typeface="Calibri"/>
+              </a:rPr>
+              <a:t>USER </a:t>
+            </a:r>
+            <a:r>
+              <a:rPr lang="en-US" dirty="0">
+                <a:cs typeface="Calibri"/>
+                <a:sym typeface="Wingdings" panose="05000000000000000000" pitchFamily="2" charset="2"/>
+              </a:rPr>
+              <a:t>&lt;-&gt; BOT</a:t>
+            </a:r>
+          </a:p>
+          <a:p>
+            <a:r>
+              <a:rPr lang="en-US" dirty="0">
+                <a:cs typeface="Calibri"/>
+                <a:sym typeface="Wingdings" panose="05000000000000000000" pitchFamily="2" charset="2"/>
+              </a:rPr>
+              <a:t>USER – Bot Framework Service – Bot</a:t>
+            </a:r>
+          </a:p>
+          <a:p>
+            <a:r>
+              <a:rPr lang="en-US" dirty="0">
+                <a:cs typeface="Calibri"/>
+              </a:rPr>
+              <a:t>USER – BFS – Web Server Integration – Bot</a:t>
+            </a:r>
+          </a:p>
+          <a:p>
+            <a:r>
+              <a:rPr lang="en-US" dirty="0">
+                <a:cs typeface="Calibri"/>
+              </a:rPr>
+              <a:t>USER – BFS – Adapter(WSI + Turn Context) – Bot</a:t>
+            </a:r>
+          </a:p>
+          <a:p>
+            <a:pPr marL="0" marR="0" lvl="0" indent="0" algn="l" defTabSz="914400" rtl="0" eaLnBrk="1" fontAlgn="auto" latinLnBrk="0" hangingPunct="1">
+              <a:lnSpc>
+                <a:spcPct val="100000"/>
+              </a:lnSpc>
+              <a:spcBef>
+                <a:spcPts val="0"/>
+              </a:spcBef>
+              <a:spcAft>
+                <a:spcPts val="0"/>
+              </a:spcAft>
+              <a:buClrTx/>
+              <a:buSzTx/>
+              <a:buFontTx/>
+              <a:buNone/>
+              <a:tabLst/>
+              <a:defRPr/>
+            </a:pPr>
+            <a:r>
+              <a:rPr lang="en-US" dirty="0">
+                <a:cs typeface="Calibri"/>
+              </a:rPr>
+              <a:t>USER – BFS – Adapter – Middleware(s) – Bot</a:t>
+            </a:r>
+          </a:p>
+          <a:p>
             <a:endParaRPr lang="en-US" dirty="0">
               <a:cs typeface="Calibri"/>
             </a:endParaRPr>
@@ -630,7 +703,7 @@
     </p:spTree>
     <p:extLst>
       <p:ext uri="{BB962C8B-B14F-4D97-AF65-F5344CB8AC3E}">
-        <p14:creationId xmlns:p14="http://schemas.microsoft.com/office/powerpoint/2010/main" val="18265750"/>
+        <p14:creationId xmlns:p14="http://schemas.microsoft.com/office/powerpoint/2010/main" val="958946938"/>
       </p:ext>
     </p:extLst>
   </p:cSld>
@@ -684,95 +757,106 @@
           <a:bodyPr/>
           <a:lstStyle/>
           <a:p>
-            <a:endParaRPr lang="en-US" dirty="0">
-              <a:cs typeface="Calibri"/>
-            </a:endParaRPr>
-          </a:p>
-        </p:txBody>
-      </p:sp>
-      <p:sp>
-        <p:nvSpPr>
-          <p:cNvPr id="4" name="Slide Number Placeholder 3"/>
-          <p:cNvSpPr>
-            <a:spLocks noGrp="1"/>
-          </p:cNvSpPr>
-          <p:nvPr>
-            <p:ph type="sldNum" sz="quarter" idx="10"/>
-          </p:nvPr>
-        </p:nvSpPr>
-        <p:spPr/>
-        <p:txBody>
-          <a:bodyPr/>
-          <a:lstStyle/>
-          <a:p>
-            <a:fld id="{278EDCA0-4E94-4E48-82AC-60FDF535752A}" type="slidenum">
-              <a:rPr lang="en-US" smtClean="0"/>
-              <a:t>3</a:t>
-            </a:fld>
-            <a:endParaRPr lang="en-US"/>
-          </a:p>
-        </p:txBody>
-      </p:sp>
-    </p:spTree>
-    <p:extLst>
-      <p:ext uri="{BB962C8B-B14F-4D97-AF65-F5344CB8AC3E}">
-        <p14:creationId xmlns:p14="http://schemas.microsoft.com/office/powerpoint/2010/main" val="958946938"/>
-      </p:ext>
-    </p:extLst>
-  </p:cSld>
-  <p:clrMapOvr>
-    <a:masterClrMapping/>
-  </p:clrMapOvr>
-</p:notes>
-</file>
-
-<file path=ppt/notesSlides/notesSlide4.xml><?xml version="1.0" encoding="utf-8"?>
-<p:notes xmlns:a="http://schemas.openxmlformats.org/drawingml/2006/main" xmlns:r="http://schemas.openxmlformats.org/officeDocument/2006/relationships" xmlns:p="http://schemas.openxmlformats.org/presentationml/2006/main">
-  <p:cSld>
-    <p:spTree>
-      <p:nvGrpSpPr>
-        <p:cNvPr id="1" name=""/>
-        <p:cNvGrpSpPr/>
-        <p:nvPr/>
-      </p:nvGrpSpPr>
-      <p:grpSpPr>
-        <a:xfrm>
-          <a:off x="0" y="0"/>
-          <a:ext cx="0" cy="0"/>
-          <a:chOff x="0" y="0"/>
-          <a:chExt cx="0" cy="0"/>
-        </a:xfrm>
-      </p:grpSpPr>
-      <p:sp>
-        <p:nvSpPr>
-          <p:cNvPr id="2" name="Slide Image Placeholder 1"/>
-          <p:cNvSpPr>
-            <a:spLocks noGrp="1" noRot="1" noChangeAspect="1"/>
-          </p:cNvSpPr>
-          <p:nvPr>
-            <p:ph type="sldImg"/>
-          </p:nvPr>
-        </p:nvSpPr>
-        <p:spPr/>
-      </p:sp>
-      <p:sp>
-        <p:nvSpPr>
-          <p:cNvPr id="3" name="Notes Placeholder 2"/>
-          <p:cNvSpPr>
-            <a:spLocks noGrp="1"/>
-          </p:cNvSpPr>
-          <p:nvPr>
-            <p:ph type="body" idx="1"/>
-          </p:nvPr>
-        </p:nvSpPr>
-        <p:spPr/>
-        <p:txBody>
-          <a:bodyPr/>
-          <a:lstStyle/>
-          <a:p>
-            <a:endParaRPr lang="en-US" dirty="0">
-              <a:cs typeface="Calibri"/>
-            </a:endParaRPr>
+            <a:r>
+              <a:rPr lang="en-US" dirty="0">
+                <a:cs typeface="Calibri"/>
+              </a:rPr>
+              <a:t>Communication</a:t>
+            </a:r>
+          </a:p>
+          <a:p>
+            <a:r>
+              <a:rPr lang="en-US" dirty="0">
+                <a:cs typeface="Calibri"/>
+              </a:rPr>
+              <a:t>USER </a:t>
+            </a:r>
+            <a:r>
+              <a:rPr lang="en-US" dirty="0">
+                <a:cs typeface="Calibri"/>
+                <a:sym typeface="Wingdings" panose="05000000000000000000" pitchFamily="2" charset="2"/>
+              </a:rPr>
+              <a:t>&lt;-&gt; BOT</a:t>
+            </a:r>
+          </a:p>
+          <a:p>
+            <a:r>
+              <a:rPr lang="en-US" dirty="0">
+                <a:cs typeface="Calibri"/>
+                <a:sym typeface="Wingdings" panose="05000000000000000000" pitchFamily="2" charset="2"/>
+              </a:rPr>
+              <a:t>USER – Bot Framework Service – Bot</a:t>
+            </a:r>
+          </a:p>
+          <a:p>
+            <a:r>
+              <a:rPr lang="en-US" dirty="0">
+                <a:cs typeface="Calibri"/>
+              </a:rPr>
+              <a:t>USER – BFS – Adapter(WSI + Turn Context) – Bot</a:t>
+            </a:r>
+          </a:p>
+          <a:p>
+            <a:pPr marL="0" marR="0" lvl="0" indent="0" algn="l" defTabSz="914400" rtl="0" eaLnBrk="1" fontAlgn="auto" latinLnBrk="0" hangingPunct="1">
+              <a:lnSpc>
+                <a:spcPct val="100000"/>
+              </a:lnSpc>
+              <a:spcBef>
+                <a:spcPts val="0"/>
+              </a:spcBef>
+              <a:spcAft>
+                <a:spcPts val="0"/>
+              </a:spcAft>
+              <a:buClrTx/>
+              <a:buSzTx/>
+              <a:buFontTx/>
+              <a:buNone/>
+              <a:tabLst/>
+              <a:defRPr/>
+            </a:pPr>
+            <a:r>
+              <a:rPr lang="en-US" dirty="0">
+                <a:cs typeface="Calibri"/>
+              </a:rPr>
+              <a:t>USER – BFS – Adapter – Middleware(s) – Bot</a:t>
+            </a:r>
+          </a:p>
+          <a:p>
+            <a:pPr marL="0" marR="0" lvl="0" indent="0" algn="l" defTabSz="914400" rtl="0" eaLnBrk="1" fontAlgn="auto" latinLnBrk="0" hangingPunct="1">
+              <a:lnSpc>
+                <a:spcPct val="100000"/>
+              </a:lnSpc>
+              <a:spcBef>
+                <a:spcPts val="0"/>
+              </a:spcBef>
+              <a:spcAft>
+                <a:spcPts val="0"/>
+              </a:spcAft>
+              <a:buClrTx/>
+              <a:buSzTx/>
+              <a:buFontTx/>
+              <a:buNone/>
+              <a:tabLst/>
+              <a:defRPr/>
+            </a:pPr>
+            <a:r>
+              <a:rPr lang="en-US" dirty="0">
+                <a:cs typeface="Calibri"/>
+              </a:rPr>
+              <a:t>USER – BFS – Adapter – </a:t>
+            </a:r>
+            <a:r>
+              <a:rPr lang="en-US" dirty="0" err="1">
+                <a:cs typeface="Calibri"/>
+              </a:rPr>
+              <a:t>AutoSaveState</a:t>
+            </a:r>
+            <a:r>
+              <a:rPr lang="en-US" dirty="0">
+                <a:cs typeface="Calibri"/>
+              </a:rPr>
+              <a:t> middleware – Custom middleware – Your BOT – State property accessors – Bot states - Storage</a:t>
+            </a:r>
           </a:p>
         </p:txBody>
       </p:sp>
@@ -812,7 +896,7 @@
 </p:notes>
 </file>
 
-<file path=ppt/notesSlides/notesSlide5.xml><?xml version="1.0" encoding="utf-8"?>
+<file path=ppt/notesSlides/notesSlide4.xml><?xml version="1.0" encoding="utf-8"?>
 <p:notes xmlns:a="http://schemas.openxmlformats.org/drawingml/2006/main" xmlns:r="http://schemas.openxmlformats.org/officeDocument/2006/relationships" xmlns:p="http://schemas.openxmlformats.org/presentationml/2006/main">
   <p:cSld>
     <p:spTree>
@@ -1069,7 +1153,7 @@
           <a:p>
             <a:fld id="{36B13FFF-D563-CB40-823E-AB47CE3489CB}" type="datetimeFigureOut">
               <a:rPr lang="en-US" smtClean="0"/>
-              <a:t>4/10/2019</a:t>
+              <a:t>4/19/2019</a:t>
             </a:fld>
             <a:endParaRPr lang="en-US"/>
           </a:p>
@@ -1340,7 +1424,7 @@
           <a:p>
             <a:fld id="{36B13FFF-D563-CB40-823E-AB47CE3489CB}" type="datetimeFigureOut">
               <a:rPr lang="en-US" smtClean="0"/>
-              <a:t>4/10/2019</a:t>
+              <a:t>4/19/2019</a:t>
             </a:fld>
             <a:endParaRPr lang="en-US"/>
           </a:p>
@@ -1621,7 +1705,7 @@
           <a:p>
             <a:fld id="{36B13FFF-D563-CB40-823E-AB47CE3489CB}" type="datetimeFigureOut">
               <a:rPr lang="en-US" smtClean="0"/>
-              <a:t>4/10/2019</a:t>
+              <a:t>4/19/2019</a:t>
             </a:fld>
             <a:endParaRPr lang="en-US"/>
           </a:p>
@@ -1902,7 +1986,7 @@
           <a:p>
             <a:fld id="{36B13FFF-D563-CB40-823E-AB47CE3489CB}" type="datetimeFigureOut">
               <a:rPr lang="en-US" smtClean="0"/>
-              <a:t>4/10/2019</a:t>
+              <a:t>4/19/2019</a:t>
             </a:fld>
             <a:endParaRPr lang="en-US"/>
           </a:p>
@@ -2175,7 +2259,7 @@
           <a:p>
             <a:fld id="{36B13FFF-D563-CB40-823E-AB47CE3489CB}" type="datetimeFigureOut">
               <a:rPr lang="en-US" smtClean="0"/>
-              <a:t>4/10/2019</a:t>
+              <a:t>4/19/2019</a:t>
             </a:fld>
             <a:endParaRPr lang="en-US"/>
           </a:p>
@@ -2328,7 +2412,7 @@
           <a:p>
             <a:fld id="{36B13FFF-D563-CB40-823E-AB47CE3489CB}" type="datetimeFigureOut">
               <a:rPr lang="en-US" smtClean="0"/>
-              <a:t>4/10/2019</a:t>
+              <a:t>4/19/2019</a:t>
             </a:fld>
             <a:endParaRPr lang="en-US"/>
           </a:p>
@@ -2455,7 +2539,7 @@
           <a:p>
             <a:fld id="{36B13FFF-D563-CB40-823E-AB47CE3489CB}" type="datetimeFigureOut">
               <a:rPr lang="en-US" smtClean="0"/>
-              <a:t>4/10/2019</a:t>
+              <a:t>4/19/2019</a:t>
             </a:fld>
             <a:endParaRPr lang="en-US"/>
           </a:p>
@@ -2671,7 +2755,7 @@
           <a:p>
             <a:fld id="{36B13FFF-D563-CB40-823E-AB47CE3489CB}" type="datetimeFigureOut">
               <a:rPr lang="en-US" smtClean="0"/>
-              <a:t>4/10/2019</a:t>
+              <a:t>4/19/2019</a:t>
             </a:fld>
             <a:endParaRPr lang="en-US"/>
           </a:p>
@@ -3119,7 +3203,7 @@
             <a:pPr algn="r"/>
             <a:r>
               <a:rPr lang="en-US" dirty="0"/>
-              <a:t>Functions + Bots + Dependency Injection + JSON (?)</a:t>
+              <a:t>Bot Framework + Azure Functions + Dependency Injection</a:t>
             </a:r>
           </a:p>
           <a:p>
@@ -3175,118 +3259,6 @@
 </file>
 
 <file path=ppt/slides/slide2.xml><?xml version="1.0" encoding="utf-8"?>
-<p:sld xmlns:a="http://schemas.openxmlformats.org/drawingml/2006/main" xmlns:r="http://schemas.openxmlformats.org/officeDocument/2006/relationships" xmlns:p="http://schemas.openxmlformats.org/presentationml/2006/main" show="0">
-  <p:cSld>
-    <p:spTree>
-      <p:nvGrpSpPr>
-        <p:cNvPr id="1" name=""/>
-        <p:cNvGrpSpPr/>
-        <p:nvPr/>
-      </p:nvGrpSpPr>
-      <p:grpSpPr>
-        <a:xfrm>
-          <a:off x="0" y="0"/>
-          <a:ext cx="0" cy="0"/>
-          <a:chOff x="0" y="0"/>
-          <a:chExt cx="0" cy="0"/>
-        </a:xfrm>
-      </p:grpSpPr>
-      <p:sp>
-        <p:nvSpPr>
-          <p:cNvPr id="2" name="Title 1">
-            <a:extLst>
-              <a:ext uri="{FF2B5EF4-FFF2-40B4-BE49-F238E27FC236}">
-                <a16:creationId xmlns:a16="http://schemas.microsoft.com/office/drawing/2014/main" id="{78750042-BC67-4D1F-B600-200762165D34}"/>
-              </a:ext>
-            </a:extLst>
-          </p:cNvPr>
-          <p:cNvSpPr>
-            <a:spLocks noGrp="1"/>
-          </p:cNvSpPr>
-          <p:nvPr>
-            <p:ph type="title"/>
-          </p:nvPr>
-        </p:nvSpPr>
-        <p:spPr/>
-        <p:txBody>
-          <a:bodyPr/>
-          <a:lstStyle/>
-          <a:p>
-            <a:r>
-              <a:rPr lang="en-US" dirty="0">
-                <a:latin typeface="SW_V18"/>
-              </a:rPr>
-              <a:t>DISCLAIMER</a:t>
-            </a:r>
-          </a:p>
-        </p:txBody>
-      </p:sp>
-      <p:sp>
-        <p:nvSpPr>
-          <p:cNvPr id="3" name="Content Placeholder 2">
-            <a:extLst>
-              <a:ext uri="{FF2B5EF4-FFF2-40B4-BE49-F238E27FC236}">
-                <a16:creationId xmlns:a16="http://schemas.microsoft.com/office/drawing/2014/main" id="{60B73058-B3D3-4211-9C73-3F91487C5EE7}"/>
-              </a:ext>
-            </a:extLst>
-          </p:cNvPr>
-          <p:cNvSpPr>
-            <a:spLocks noGrp="1"/>
-          </p:cNvSpPr>
-          <p:nvPr>
-            <p:ph idx="1"/>
-          </p:nvPr>
-        </p:nvSpPr>
-        <p:spPr>
-          <a:xfrm>
-            <a:off x="838200" y="1690688"/>
-            <a:ext cx="10515600" cy="4963559"/>
-          </a:xfrm>
-        </p:spPr>
-        <p:txBody>
-          <a:bodyPr vert="horz" lIns="91440" tIns="45720" rIns="91440" bIns="45720" rtlCol="0" anchor="t">
-            <a:normAutofit/>
-          </a:bodyPr>
-          <a:lstStyle/>
-          <a:p>
-            <a:pPr marL="0" indent="0">
-              <a:buNone/>
-            </a:pPr>
-            <a:r>
-              <a:rPr lang="en-US" sz="5400" b="0" dirty="0">
-                <a:latin typeface="SW_V18" panose="00000A00000000000000" pitchFamily="2" charset="0"/>
-              </a:rPr>
-              <a:t>I will NOT talk about </a:t>
-            </a:r>
-            <a:r>
-              <a:rPr lang="en-US" sz="5400" b="0" dirty="0" err="1">
-                <a:latin typeface="SW_V18" panose="00000A00000000000000" pitchFamily="2" charset="0"/>
-              </a:rPr>
-              <a:t>chori</a:t>
-            </a:r>
-            <a:r>
-              <a:rPr lang="en-US" sz="5400" b="0" dirty="0">
-                <a:latin typeface="SW_V18" panose="00000A00000000000000" pitchFamily="2" charset="0"/>
-              </a:rPr>
-              <a:t>-bot or related topics</a:t>
-            </a:r>
-          </a:p>
-        </p:txBody>
-      </p:sp>
-    </p:spTree>
-    <p:extLst>
-      <p:ext uri="{BB962C8B-B14F-4D97-AF65-F5344CB8AC3E}">
-        <p14:creationId xmlns:p14="http://schemas.microsoft.com/office/powerpoint/2010/main" val="1726502984"/>
-      </p:ext>
-    </p:extLst>
-  </p:cSld>
-  <p:clrMapOvr>
-    <a:masterClrMapping/>
-  </p:clrMapOvr>
-</p:sld>
-</file>
-
-<file path=ppt/slides/slide3.xml><?xml version="1.0" encoding="utf-8"?>
 <p:sld xmlns:a="http://schemas.openxmlformats.org/drawingml/2006/main" xmlns:r="http://schemas.openxmlformats.org/officeDocument/2006/relationships" xmlns:p="http://schemas.openxmlformats.org/presentationml/2006/main">
   <p:cSld>
     <p:spTree>
@@ -3382,6 +3354,89 @@
     <p:extLst>
       <p:ext uri="{BB962C8B-B14F-4D97-AF65-F5344CB8AC3E}">
         <p14:creationId xmlns:p14="http://schemas.microsoft.com/office/powerpoint/2010/main" val="671620229"/>
+      </p:ext>
+    </p:extLst>
+  </p:cSld>
+  <p:clrMapOvr>
+    <a:masterClrMapping/>
+  </p:clrMapOvr>
+</p:sld>
+</file>
+
+<file path=ppt/slides/slide3.xml><?xml version="1.0" encoding="utf-8"?>
+<p:sld xmlns:a="http://schemas.openxmlformats.org/drawingml/2006/main" xmlns:r="http://schemas.openxmlformats.org/officeDocument/2006/relationships" xmlns:p="http://schemas.openxmlformats.org/presentationml/2006/main">
+  <p:cSld>
+    <p:spTree>
+      <p:nvGrpSpPr>
+        <p:cNvPr id="1" name=""/>
+        <p:cNvGrpSpPr/>
+        <p:nvPr/>
+      </p:nvGrpSpPr>
+      <p:grpSpPr>
+        <a:xfrm>
+          <a:off x="0" y="0"/>
+          <a:ext cx="0" cy="0"/>
+          <a:chOff x="0" y="0"/>
+          <a:chExt cx="0" cy="0"/>
+        </a:xfrm>
+      </p:grpSpPr>
+      <p:sp>
+        <p:nvSpPr>
+          <p:cNvPr id="2" name="Title 1">
+            <a:extLst>
+              <a:ext uri="{FF2B5EF4-FFF2-40B4-BE49-F238E27FC236}">
+                <a16:creationId xmlns:a16="http://schemas.microsoft.com/office/drawing/2014/main" id="{43DC2D1D-3357-4DB0-A25A-149C74069F5D}"/>
+              </a:ext>
+            </a:extLst>
+          </p:cNvPr>
+          <p:cNvSpPr>
+            <a:spLocks noGrp="1"/>
+          </p:cNvSpPr>
+          <p:nvPr>
+            <p:ph type="title"/>
+          </p:nvPr>
+        </p:nvSpPr>
+        <p:spPr/>
+        <p:txBody>
+          <a:bodyPr/>
+          <a:lstStyle/>
+          <a:p>
+            <a:r>
+              <a:rPr lang="en-US" dirty="0"/>
+              <a:t>How bots work</a:t>
+            </a:r>
+          </a:p>
+        </p:txBody>
+      </p:sp>
+      <p:sp>
+        <p:nvSpPr>
+          <p:cNvPr id="3" name="Content Placeholder 2">
+            <a:extLst>
+              <a:ext uri="{FF2B5EF4-FFF2-40B4-BE49-F238E27FC236}">
+                <a16:creationId xmlns:a16="http://schemas.microsoft.com/office/drawing/2014/main" id="{F0DD5763-02E0-4471-B07E-429AF7074632}"/>
+              </a:ext>
+            </a:extLst>
+          </p:cNvPr>
+          <p:cNvSpPr>
+            <a:spLocks noGrp="1"/>
+          </p:cNvSpPr>
+          <p:nvPr>
+            <p:ph idx="1"/>
+          </p:nvPr>
+        </p:nvSpPr>
+        <p:spPr/>
+        <p:txBody>
+          <a:bodyPr/>
+          <a:lstStyle/>
+          <a:p>
+            <a:endParaRPr lang="en-US" dirty="0"/>
+          </a:p>
+        </p:txBody>
+      </p:sp>
+    </p:spTree>
+    <p:extLst>
+      <p:ext uri="{BB962C8B-B14F-4D97-AF65-F5344CB8AC3E}">
+        <p14:creationId xmlns:p14="http://schemas.microsoft.com/office/powerpoint/2010/main" val="1203421151"/>
       </p:ext>
     </p:extLst>
   </p:cSld>
@@ -4260,6 +4315,21 @@
 </file>
 
 <file path=customXml/item1.xml><?xml version="1.0" encoding="utf-8"?>
+<?mso-contentType ?>
+<FormTemplates xmlns="http://schemas.microsoft.com/sharepoint/v3/contenttype/forms">
+  <Display>DocumentLibraryForm</Display>
+  <Edit>DocumentLibraryForm</Edit>
+  <New>DocumentLibraryForm</New>
+</FormTemplates>
+</file>
+
+<file path=customXml/item2.xml><?xml version="1.0" encoding="utf-8"?>
+<p:properties xmlns:p="http://schemas.microsoft.com/office/2006/metadata/properties" xmlns:xsi="http://www.w3.org/2001/XMLSchema-instance" xmlns:pc="http://schemas.microsoft.com/office/infopath/2007/PartnerControls">
+  <documentManagement/>
+</p:properties>
+</file>
+
+<file path=customXml/item3.xml><?xml version="1.0" encoding="utf-8"?>
 <ct:contentTypeSchema xmlns:ct="http://schemas.microsoft.com/office/2006/metadata/contentType" xmlns:ma="http://schemas.microsoft.com/office/2006/metadata/properties/metaAttributes" ct:_="" ma:_="" ma:contentTypeName="Document" ma:contentTypeID="0x010100B9D379DADF5BB74ABF0ACB7BFC9E712B" ma:contentTypeVersion="4" ma:contentTypeDescription="Create a new document." ma:contentTypeScope="" ma:versionID="1dd791c3aef819c8578cf37949ca3862">
   <xsd:schema xmlns:xsd="http://www.w3.org/2001/XMLSchema" xmlns:xs="http://www.w3.org/2001/XMLSchema" xmlns:p="http://schemas.microsoft.com/office/2006/metadata/properties" xmlns:ns2="101d38a2-ceeb-4e36-bf0c-9863b2abe7e5" xmlns:ns3="a08db39b-c6ca-49d8-8a51-24883c2b2c83" targetNamespace="http://schemas.microsoft.com/office/2006/metadata/properties" ma:root="true" ma:fieldsID="4abf4e0f73745eda7aa4237247acdaa1" ns2:_="" ns3:_="">
     <xsd:import namespace="101d38a2-ceeb-4e36-bf0c-9863b2abe7e5"/>
@@ -4424,36 +4494,10 @@
 </ct:contentTypeSchema>
 </file>
 
-<file path=customXml/item2.xml><?xml version="1.0" encoding="utf-8"?>
-<p:properties xmlns:p="http://schemas.microsoft.com/office/2006/metadata/properties" xmlns:xsi="http://www.w3.org/2001/XMLSchema-instance" xmlns:pc="http://schemas.microsoft.com/office/infopath/2007/PartnerControls">
-  <documentManagement/>
-</p:properties>
-</file>
-
-<file path=customXml/item3.xml><?xml version="1.0" encoding="utf-8"?>
-<?mso-contentType ?>
-<FormTemplates xmlns="http://schemas.microsoft.com/sharepoint/v3/contenttype/forms">
-  <Display>DocumentLibraryForm</Display>
-  <Edit>DocumentLibraryForm</Edit>
-  <New>DocumentLibraryForm</New>
-</FormTemplates>
-</file>
-
 <file path=customXml/itemProps1.xml><?xml version="1.0" encoding="utf-8"?>
-<ds:datastoreItem xmlns:ds="http://schemas.openxmlformats.org/officeDocument/2006/customXml" ds:itemID="{E46F4BB3-9763-4A9C-833C-311D64126967}">
+<ds:datastoreItem xmlns:ds="http://schemas.openxmlformats.org/officeDocument/2006/customXml" ds:itemID="{2D1FB128-1889-4EA5-88F9-0BE46D282DC5}">
   <ds:schemaRefs>
-    <ds:schemaRef ds:uri="http://schemas.microsoft.com/office/2006/metadata/contentType"/>
-    <ds:schemaRef ds:uri="http://schemas.microsoft.com/office/2006/metadata/properties/metaAttributes"/>
-    <ds:schemaRef ds:uri="http://www.w3.org/2001/XMLSchema"/>
-    <ds:schemaRef ds:uri="http://schemas.microsoft.com/office/2006/metadata/properties"/>
-    <ds:schemaRef ds:uri="101d38a2-ceeb-4e36-bf0c-9863b2abe7e5"/>
-    <ds:schemaRef ds:uri="a08db39b-c6ca-49d8-8a51-24883c2b2c83"/>
-    <ds:schemaRef ds:uri="http://schemas.microsoft.com/office/2006/documentManagement/types"/>
-    <ds:schemaRef ds:uri="http://schemas.microsoft.com/office/infopath/2007/PartnerControls"/>
-    <ds:schemaRef ds:uri="http://schemas.openxmlformats.org/package/2006/metadata/core-properties"/>
-    <ds:schemaRef ds:uri="http://purl.org/dc/elements/1.1/"/>
-    <ds:schemaRef ds:uri="http://purl.org/dc/terms/"/>
-    <ds:schemaRef ds:uri="http://schemas.microsoft.com/internal/obd"/>
+    <ds:schemaRef ds:uri="http://schemas.microsoft.com/sharepoint/v3/contenttype/forms"/>
   </ds:schemaRefs>
 </ds:datastoreItem>
 </file>
@@ -4476,9 +4520,20 @@
 </file>
 
 <file path=customXml/itemProps3.xml><?xml version="1.0" encoding="utf-8"?>
-<ds:datastoreItem xmlns:ds="http://schemas.openxmlformats.org/officeDocument/2006/customXml" ds:itemID="{2D1FB128-1889-4EA5-88F9-0BE46D282DC5}">
+<ds:datastoreItem xmlns:ds="http://schemas.openxmlformats.org/officeDocument/2006/customXml" ds:itemID="{E46F4BB3-9763-4A9C-833C-311D64126967}">
   <ds:schemaRefs>
-    <ds:schemaRef ds:uri="http://schemas.microsoft.com/sharepoint/v3/contenttype/forms"/>
+    <ds:schemaRef ds:uri="http://schemas.microsoft.com/office/2006/metadata/contentType"/>
+    <ds:schemaRef ds:uri="http://schemas.microsoft.com/office/2006/metadata/properties/metaAttributes"/>
+    <ds:schemaRef ds:uri="http://www.w3.org/2001/XMLSchema"/>
+    <ds:schemaRef ds:uri="http://schemas.microsoft.com/office/2006/metadata/properties"/>
+    <ds:schemaRef ds:uri="101d38a2-ceeb-4e36-bf0c-9863b2abe7e5"/>
+    <ds:schemaRef ds:uri="a08db39b-c6ca-49d8-8a51-24883c2b2c83"/>
+    <ds:schemaRef ds:uri="http://schemas.microsoft.com/office/2006/documentManagement/types"/>
+    <ds:schemaRef ds:uri="http://schemas.microsoft.com/office/infopath/2007/PartnerControls"/>
+    <ds:schemaRef ds:uri="http://schemas.openxmlformats.org/package/2006/metadata/core-properties"/>
+    <ds:schemaRef ds:uri="http://purl.org/dc/elements/1.1/"/>
+    <ds:schemaRef ds:uri="http://purl.org/dc/terms/"/>
+    <ds:schemaRef ds:uri="http://schemas.microsoft.com/internal/obd"/>
   </ds:schemaRefs>
 </ds:datastoreItem>
 </file>